--- a/Docs/MR_MasterMind.pptx
+++ b/Docs/MR_MasterMind.pptx
@@ -9,8 +9,10 @@
     <p:sldId id="257" r:id="rId3"/>
     <p:sldId id="258" r:id="rId4"/>
     <p:sldId id="259" r:id="rId5"/>
-    <p:sldId id="260" r:id="rId6"/>
-    <p:sldId id="261" r:id="rId7"/>
+    <p:sldId id="262" r:id="rId6"/>
+    <p:sldId id="263" r:id="rId7"/>
+    <p:sldId id="260" r:id="rId8"/>
+    <p:sldId id="261" r:id="rId9"/>
   </p:sldIdLst>
   <p:sldSz cx="12192000" cy="6858000"/>
   <p:notesSz cx="6858000" cy="9144000"/>
@@ -109,6 +111,11 @@
       </a:defRPr>
     </a:lvl9pPr>
   </p:defaultTextStyle>
+  <p:extLst>
+    <p:ext uri="{EFAFB233-063F-42B5-8137-9DF3F51BA10A}">
+      <p15:sldGuideLst xmlns:p15="http://schemas.microsoft.com/office/powerpoint/2012/main"/>
+    </p:ext>
+  </p:extLst>
 </p:presentation>
 </file>
 
@@ -6066,12 +6073,6 @@
           <a:p>
             <a:r>
               <a:rPr lang="en-US" dirty="0"/>
-              <a:t>Brian Hampson</a:t>
-            </a:r>
-          </a:p>
-          <a:p>
-            <a:r>
-              <a:rPr lang="en-US" dirty="0"/>
               <a:t>Dana </a:t>
             </a:r>
             <a:r>
@@ -6085,6 +6086,15 @@
               <a:rPr lang="en-US" dirty="0"/>
               <a:t>Joel hills</a:t>
             </a:r>
+          </a:p>
+          <a:p>
+            <a:r>
+              <a:rPr lang="en-US" dirty="0"/>
+              <a:t>Brian Hampson</a:t>
+            </a:r>
+          </a:p>
+          <a:p>
+            <a:endParaRPr lang="en-US" dirty="0"/>
           </a:p>
           <a:p>
             <a:endParaRPr lang="en-US" dirty="0"/>
@@ -6468,7 +6478,7 @@
           <p:cNvPr id="2" name="Title 1">
             <a:extLst>
               <a:ext uri="{FF2B5EF4-FFF2-40B4-BE49-F238E27FC236}">
-                <a16:creationId xmlns:a16="http://schemas.microsoft.com/office/drawing/2014/main" id="{67CD0E45-7DCC-4983-B22E-7F5F9358CEBF}"/>
+                <a16:creationId xmlns:a16="http://schemas.microsoft.com/office/drawing/2014/main" id="{2ABF6B26-5A94-48BC-BDB3-2248C4451B52}"/>
               </a:ext>
             </a:extLst>
           </p:cNvPr>
@@ -6486,88 +6496,417 @@
           <a:p>
             <a:r>
               <a:rPr lang="en-US" dirty="0"/>
-              <a:t>Challenges </a:t>
-            </a:r>
-          </a:p>
-        </p:txBody>
-      </p:sp>
-      <p:sp>
-        <p:nvSpPr>
-          <p:cNvPr id="3" name="Content Placeholder 2">
+              <a:t>Language </a:t>
+            </a:r>
+            <a:r>
+              <a:rPr lang="en-US" dirty="0" err="1"/>
+              <a:t>Unserstanding</a:t>
+            </a:r>
+            <a:r>
+              <a:rPr lang="en-US" dirty="0"/>
+              <a:t> (LUIS)</a:t>
+            </a:r>
+          </a:p>
+        </p:txBody>
+      </p:sp>
+      <p:sp>
+        <p:nvSpPr>
+          <p:cNvPr id="6" name="Content Placeholder 2">
             <a:extLst>
               <a:ext uri="{FF2B5EF4-FFF2-40B4-BE49-F238E27FC236}">
-                <a16:creationId xmlns:a16="http://schemas.microsoft.com/office/drawing/2014/main" id="{5962CC97-40D6-4DB4-BAEF-D0027DA47DE4}"/>
+                <a16:creationId xmlns:a16="http://schemas.microsoft.com/office/drawing/2014/main" id="{0DBB7306-A04C-4DD4-AEFC-885A2AAF7E7B}"/>
               </a:ext>
             </a:extLst>
           </p:cNvPr>
-          <p:cNvSpPr>
-            <a:spLocks noGrp="1"/>
-          </p:cNvSpPr>
-          <p:nvPr>
-            <p:ph idx="1"/>
-          </p:nvPr>
-        </p:nvSpPr>
-        <p:spPr/>
-        <p:txBody>
-          <a:bodyPr/>
-          <a:lstStyle/>
-          <a:p>
-            <a:r>
-              <a:rPr lang="en-US" dirty="0"/>
-              <a:t>Deployment and workflow</a:t>
-            </a:r>
-          </a:p>
-          <a:p>
-            <a:pPr lvl="1"/>
-            <a:r>
-              <a:rPr lang="en-US" dirty="0"/>
-              <a:t>Build and deploy UWP with remote debugging – unnecessary!</a:t>
-            </a:r>
-          </a:p>
-          <a:p>
-            <a:r>
-              <a:rPr lang="en-US" dirty="0"/>
-              <a:t>Microphone HW and </a:t>
-            </a:r>
-            <a:r>
-              <a:rPr lang="en-US" dirty="0" err="1"/>
-              <a:t>DictationRecognizer</a:t>
-            </a:r>
-            <a:endParaRPr lang="en-US" dirty="0"/>
-          </a:p>
-          <a:p>
-            <a:pPr lvl="1"/>
-            <a:r>
-              <a:rPr lang="en-US" dirty="0"/>
-              <a:t>Unknown default timeout 20s</a:t>
-            </a:r>
-          </a:p>
-          <a:p>
-            <a:pPr lvl="1"/>
-            <a:r>
-              <a:rPr lang="en-US" dirty="0"/>
-              <a:t>Did not find solution for microphone HW issues</a:t>
-            </a:r>
-          </a:p>
-          <a:p>
-            <a:pPr lvl="1"/>
-            <a:r>
-              <a:rPr lang="en-US" dirty="0"/>
-              <a:t>Investigate alternatives – speech to text?</a:t>
-            </a:r>
-          </a:p>
-        </p:txBody>
-      </p:sp>
+          <p:cNvSpPr txBox="1">
+            <a:spLocks/>
+          </p:cNvSpPr>
+          <p:nvPr/>
+        </p:nvSpPr>
+        <p:spPr>
+          <a:xfrm>
+            <a:off x="1103313" y="2052918"/>
+            <a:ext cx="5740547" cy="4195481"/>
+          </a:xfrm>
+          <a:prstGeom prst="rect">
+            <a:avLst/>
+          </a:prstGeom>
+        </p:spPr>
+        <p:txBody>
+          <a:bodyPr vert="horz" lIns="91440" tIns="45720" rIns="91440" bIns="45720" rtlCol="0">
+            <a:normAutofit/>
+          </a:bodyPr>
+          <a:lstStyle>
+            <a:lvl1pPr marL="342900" indent="-342900" algn="l" defTabSz="457200" rtl="0" eaLnBrk="1" latinLnBrk="0" hangingPunct="1">
+              <a:spcBef>
+                <a:spcPts val="1000"/>
+              </a:spcBef>
+              <a:spcAft>
+                <a:spcPts val="0"/>
+              </a:spcAft>
+              <a:buClr>
+                <a:schemeClr val="bg2">
+                  <a:lumMod val="40000"/>
+                  <a:lumOff val="60000"/>
+                </a:schemeClr>
+              </a:buClr>
+              <a:buSzPct val="80000"/>
+              <a:buFont typeface="Wingdings 3" charset="2"/>
+              <a:buChar char=""/>
+              <a:defRPr sz="2000" b="0" i="0" kern="1200">
+                <a:solidFill>
+                  <a:schemeClr val="tx1"/>
+                </a:solidFill>
+                <a:latin typeface="+mj-lt"/>
+                <a:ea typeface="+mj-ea"/>
+                <a:cs typeface="+mj-cs"/>
+              </a:defRPr>
+            </a:lvl1pPr>
+            <a:lvl2pPr marL="742950" indent="-285750" algn="l" defTabSz="457200" rtl="0" eaLnBrk="1" latinLnBrk="0" hangingPunct="1">
+              <a:spcBef>
+                <a:spcPts val="1000"/>
+              </a:spcBef>
+              <a:spcAft>
+                <a:spcPts val="0"/>
+              </a:spcAft>
+              <a:buClr>
+                <a:schemeClr val="bg2">
+                  <a:lumMod val="40000"/>
+                  <a:lumOff val="60000"/>
+                </a:schemeClr>
+              </a:buClr>
+              <a:buSzPct val="80000"/>
+              <a:buFont typeface="Wingdings 3" charset="2"/>
+              <a:buChar char=""/>
+              <a:defRPr sz="1800" b="0" i="0" kern="1200">
+                <a:solidFill>
+                  <a:schemeClr val="tx1"/>
+                </a:solidFill>
+                <a:latin typeface="+mj-lt"/>
+                <a:ea typeface="+mj-ea"/>
+                <a:cs typeface="+mj-cs"/>
+              </a:defRPr>
+            </a:lvl2pPr>
+            <a:lvl3pPr marL="1143000" indent="-228600" algn="l" defTabSz="457200" rtl="0" eaLnBrk="1" latinLnBrk="0" hangingPunct="1">
+              <a:spcBef>
+                <a:spcPts val="1000"/>
+              </a:spcBef>
+              <a:spcAft>
+                <a:spcPts val="0"/>
+              </a:spcAft>
+              <a:buClr>
+                <a:schemeClr val="bg2">
+                  <a:lumMod val="40000"/>
+                  <a:lumOff val="60000"/>
+                </a:schemeClr>
+              </a:buClr>
+              <a:buSzPct val="80000"/>
+              <a:buFont typeface="Wingdings 3" charset="2"/>
+              <a:buChar char=""/>
+              <a:defRPr sz="1600" b="0" i="0" kern="1200">
+                <a:solidFill>
+                  <a:schemeClr val="tx1"/>
+                </a:solidFill>
+                <a:latin typeface="+mj-lt"/>
+                <a:ea typeface="+mj-ea"/>
+                <a:cs typeface="+mj-cs"/>
+              </a:defRPr>
+            </a:lvl3pPr>
+            <a:lvl4pPr marL="1600200" indent="-228600" algn="l" defTabSz="457200" rtl="0" eaLnBrk="1" latinLnBrk="0" hangingPunct="1">
+              <a:spcBef>
+                <a:spcPts val="1000"/>
+              </a:spcBef>
+              <a:spcAft>
+                <a:spcPts val="0"/>
+              </a:spcAft>
+              <a:buClr>
+                <a:schemeClr val="bg2">
+                  <a:lumMod val="40000"/>
+                  <a:lumOff val="60000"/>
+                </a:schemeClr>
+              </a:buClr>
+              <a:buSzPct val="80000"/>
+              <a:buFont typeface="Wingdings 3" charset="2"/>
+              <a:buChar char=""/>
+              <a:defRPr sz="1400" b="0" i="0" kern="1200">
+                <a:solidFill>
+                  <a:schemeClr val="tx1"/>
+                </a:solidFill>
+                <a:latin typeface="+mj-lt"/>
+                <a:ea typeface="+mj-ea"/>
+                <a:cs typeface="+mj-cs"/>
+              </a:defRPr>
+            </a:lvl4pPr>
+            <a:lvl5pPr marL="2057400" indent="-228600" algn="l" defTabSz="457200" rtl="0" eaLnBrk="1" latinLnBrk="0" hangingPunct="1">
+              <a:spcBef>
+                <a:spcPts val="1000"/>
+              </a:spcBef>
+              <a:spcAft>
+                <a:spcPts val="0"/>
+              </a:spcAft>
+              <a:buClr>
+                <a:schemeClr val="bg2">
+                  <a:lumMod val="40000"/>
+                  <a:lumOff val="60000"/>
+                </a:schemeClr>
+              </a:buClr>
+              <a:buSzPct val="80000"/>
+              <a:buFont typeface="Wingdings 3" charset="2"/>
+              <a:buChar char=""/>
+              <a:defRPr sz="1400" b="0" i="0" kern="1200">
+                <a:solidFill>
+                  <a:schemeClr val="tx1"/>
+                </a:solidFill>
+                <a:latin typeface="+mj-lt"/>
+                <a:ea typeface="+mj-ea"/>
+                <a:cs typeface="+mj-cs"/>
+              </a:defRPr>
+            </a:lvl5pPr>
+            <a:lvl6pPr marL="2506000" indent="-228600" algn="l" defTabSz="457200" rtl="0" eaLnBrk="1" latinLnBrk="0" hangingPunct="1">
+              <a:spcBef>
+                <a:spcPts val="1000"/>
+              </a:spcBef>
+              <a:spcAft>
+                <a:spcPts val="0"/>
+              </a:spcAft>
+              <a:buClr>
+                <a:schemeClr val="bg2">
+                  <a:lumMod val="40000"/>
+                  <a:lumOff val="60000"/>
+                </a:schemeClr>
+              </a:buClr>
+              <a:buSzPct val="80000"/>
+              <a:buFont typeface="Wingdings 3" charset="2"/>
+              <a:buChar char=""/>
+              <a:defRPr sz="1400" b="0" i="0" kern="1200">
+                <a:solidFill>
+                  <a:schemeClr val="tx1"/>
+                </a:solidFill>
+                <a:latin typeface="+mj-lt"/>
+                <a:ea typeface="+mj-ea"/>
+                <a:cs typeface="+mj-cs"/>
+              </a:defRPr>
+            </a:lvl6pPr>
+            <a:lvl7pPr marL="2971800" indent="-228600" algn="l" defTabSz="457200" rtl="0" eaLnBrk="1" latinLnBrk="0" hangingPunct="1">
+              <a:spcBef>
+                <a:spcPts val="1000"/>
+              </a:spcBef>
+              <a:spcAft>
+                <a:spcPts val="0"/>
+              </a:spcAft>
+              <a:buClr>
+                <a:schemeClr val="bg2">
+                  <a:lumMod val="40000"/>
+                  <a:lumOff val="60000"/>
+                </a:schemeClr>
+              </a:buClr>
+              <a:buSzPct val="80000"/>
+              <a:buFont typeface="Wingdings 3" charset="2"/>
+              <a:buChar char=""/>
+              <a:defRPr sz="1400" b="0" i="0" kern="1200">
+                <a:solidFill>
+                  <a:schemeClr val="tx1"/>
+                </a:solidFill>
+                <a:latin typeface="+mj-lt"/>
+                <a:ea typeface="+mj-ea"/>
+                <a:cs typeface="+mj-cs"/>
+              </a:defRPr>
+            </a:lvl7pPr>
+            <a:lvl8pPr marL="3429000" indent="-228600" algn="l" defTabSz="457200" rtl="0" eaLnBrk="1" latinLnBrk="0" hangingPunct="1">
+              <a:spcBef>
+                <a:spcPts val="1000"/>
+              </a:spcBef>
+              <a:spcAft>
+                <a:spcPts val="0"/>
+              </a:spcAft>
+              <a:buClr>
+                <a:schemeClr val="bg2">
+                  <a:lumMod val="40000"/>
+                  <a:lumOff val="60000"/>
+                </a:schemeClr>
+              </a:buClr>
+              <a:buSzPct val="80000"/>
+              <a:buFont typeface="Wingdings 3" charset="2"/>
+              <a:buChar char=""/>
+              <a:defRPr sz="1400" b="0" i="0" kern="1200">
+                <a:solidFill>
+                  <a:schemeClr val="tx1"/>
+                </a:solidFill>
+                <a:latin typeface="+mj-lt"/>
+                <a:ea typeface="+mj-ea"/>
+                <a:cs typeface="+mj-cs"/>
+              </a:defRPr>
+            </a:lvl8pPr>
+            <a:lvl9pPr marL="3886200" indent="-228600" algn="l" defTabSz="457200" rtl="0" eaLnBrk="1" latinLnBrk="0" hangingPunct="1">
+              <a:spcBef>
+                <a:spcPts val="1000"/>
+              </a:spcBef>
+              <a:spcAft>
+                <a:spcPts val="0"/>
+              </a:spcAft>
+              <a:buClr>
+                <a:schemeClr val="bg2">
+                  <a:lumMod val="40000"/>
+                  <a:lumOff val="60000"/>
+                </a:schemeClr>
+              </a:buClr>
+              <a:buSzPct val="80000"/>
+              <a:buFont typeface="Wingdings 3" charset="2"/>
+              <a:buChar char=""/>
+              <a:defRPr sz="1400" b="0" i="0" kern="1200">
+                <a:solidFill>
+                  <a:schemeClr val="tx1"/>
+                </a:solidFill>
+                <a:latin typeface="+mj-lt"/>
+                <a:ea typeface="+mj-ea"/>
+                <a:cs typeface="+mj-cs"/>
+              </a:defRPr>
+            </a:lvl9pPr>
+          </a:lstStyle>
+          <a:p>
+            <a:r>
+              <a:rPr lang="en-US" dirty="0"/>
+              <a:t>Setup</a:t>
+            </a:r>
+          </a:p>
+          <a:p>
+            <a:r>
+              <a:rPr lang="en-US" dirty="0"/>
+              <a:t>Intents, Entities, and Utterances</a:t>
+            </a:r>
+          </a:p>
+          <a:p>
+            <a:r>
+              <a:rPr lang="en-US" dirty="0"/>
+              <a:t>Improvements</a:t>
+            </a:r>
+          </a:p>
+          <a:p>
+            <a:r>
+              <a:rPr lang="en-US" dirty="0"/>
+              <a:t>Learning </a:t>
+            </a:r>
+          </a:p>
+          <a:p>
+            <a:endParaRPr lang="en-US" dirty="0"/>
+          </a:p>
+        </p:txBody>
+      </p:sp>
+      <p:pic>
+        <p:nvPicPr>
+          <p:cNvPr id="11" name="Picture 10">
+            <a:extLst>
+              <a:ext uri="{FF2B5EF4-FFF2-40B4-BE49-F238E27FC236}">
+                <a16:creationId xmlns:a16="http://schemas.microsoft.com/office/drawing/2014/main" id="{0470DD9E-FB8C-43F8-8DB3-C11C81BCBE63}"/>
+              </a:ext>
+            </a:extLst>
+          </p:cNvPr>
+          <p:cNvPicPr>
+            <a:picLocks noChangeAspect="1"/>
+          </p:cNvPicPr>
+          <p:nvPr/>
+        </p:nvPicPr>
+        <p:blipFill>
+          <a:blip r:embed="rId2"/>
+          <a:stretch>
+            <a:fillRect/>
+          </a:stretch>
+        </p:blipFill>
+        <p:spPr>
+          <a:xfrm>
+            <a:off x="6701449" y="1900382"/>
+            <a:ext cx="4455761" cy="4195480"/>
+          </a:xfrm>
+          <a:prstGeom prst="rect">
+            <a:avLst/>
+          </a:prstGeom>
+        </p:spPr>
+      </p:pic>
     </p:spTree>
     <p:extLst>
       <p:ext uri="{BB962C8B-B14F-4D97-AF65-F5344CB8AC3E}">
-        <p14:creationId xmlns:p14="http://schemas.microsoft.com/office/powerpoint/2010/main" val="1563278652"/>
+        <p14:creationId xmlns:p14="http://schemas.microsoft.com/office/powerpoint/2010/main" val="3771433956"/>
       </p:ext>
     </p:extLst>
   </p:cSld>
   <p:clrMapOvr>
     <a:masterClrMapping/>
   </p:clrMapOvr>
+  <p:timing>
+    <p:tnLst>
+      <p:par>
+        <p:cTn id="1" dur="indefinite" restart="never" nodeType="tmRoot">
+          <p:childTnLst>
+            <p:seq concurrent="1" nextAc="seek">
+              <p:cTn id="2" dur="indefinite" nodeType="mainSeq">
+                <p:childTnLst>
+                  <p:par>
+                    <p:cTn id="3" fill="hold">
+                      <p:stCondLst>
+                        <p:cond delay="indefinite"/>
+                      </p:stCondLst>
+                      <p:childTnLst>
+                        <p:par>
+                          <p:cTn id="4" fill="hold">
+                            <p:stCondLst>
+                              <p:cond delay="0"/>
+                            </p:stCondLst>
+                            <p:childTnLst>
+                              <p:par>
+                                <p:cTn id="5" presetID="1" presetClass="entr" presetSubtype="0" fill="hold" nodeType="clickEffect">
+                                  <p:stCondLst>
+                                    <p:cond delay="0"/>
+                                  </p:stCondLst>
+                                  <p:childTnLst>
+                                    <p:set>
+                                      <p:cBhvr>
+                                        <p:cTn id="6" dur="1" fill="hold">
+                                          <p:stCondLst>
+                                            <p:cond delay="0"/>
+                                          </p:stCondLst>
+                                        </p:cTn>
+                                        <p:tgtEl>
+                                          <p:spTgt spid="11"/>
+                                        </p:tgtEl>
+                                        <p:attrNameLst>
+                                          <p:attrName>style.visibility</p:attrName>
+                                        </p:attrNameLst>
+                                      </p:cBhvr>
+                                      <p:to>
+                                        <p:strVal val="visible"/>
+                                      </p:to>
+                                    </p:set>
+                                  </p:childTnLst>
+                                </p:cTn>
+                              </p:par>
+                            </p:childTnLst>
+                          </p:cTn>
+                        </p:par>
+                      </p:childTnLst>
+                    </p:cTn>
+                  </p:par>
+                </p:childTnLst>
+              </p:cTn>
+              <p:prevCondLst>
+                <p:cond evt="onPrev" delay="0">
+                  <p:tgtEl>
+                    <p:sldTgt/>
+                  </p:tgtEl>
+                </p:cond>
+              </p:prevCondLst>
+              <p:nextCondLst>
+                <p:cond evt="onNext" delay="0">
+                  <p:tgtEl>
+                    <p:sldTgt/>
+                  </p:tgtEl>
+                </p:cond>
+              </p:nextCondLst>
+            </p:seq>
+          </p:childTnLst>
+        </p:cTn>
+      </p:par>
+    </p:tnLst>
+  </p:timing>
 </p:sld>
 </file>
 
@@ -6593,6 +6932,613 @@
           <p:cNvPr id="2" name="Title 1">
             <a:extLst>
               <a:ext uri="{FF2B5EF4-FFF2-40B4-BE49-F238E27FC236}">
+                <a16:creationId xmlns:a16="http://schemas.microsoft.com/office/drawing/2014/main" id="{2ABF6B26-5A94-48BC-BDB3-2248C4451B52}"/>
+              </a:ext>
+            </a:extLst>
+          </p:cNvPr>
+          <p:cNvSpPr>
+            <a:spLocks noGrp="1"/>
+          </p:cNvSpPr>
+          <p:nvPr>
+            <p:ph type="title"/>
+          </p:nvPr>
+        </p:nvSpPr>
+        <p:spPr/>
+        <p:txBody>
+          <a:bodyPr/>
+          <a:lstStyle/>
+          <a:p>
+            <a:r>
+              <a:rPr lang="en-US" dirty="0"/>
+              <a:t>Language </a:t>
+            </a:r>
+            <a:r>
+              <a:rPr lang="en-US" dirty="0" err="1"/>
+              <a:t>Unserstanding</a:t>
+            </a:r>
+            <a:r>
+              <a:rPr lang="en-US" dirty="0"/>
+              <a:t> (LUIS)</a:t>
+            </a:r>
+          </a:p>
+        </p:txBody>
+      </p:sp>
+      <p:sp>
+        <p:nvSpPr>
+          <p:cNvPr id="6" name="Content Placeholder 2">
+            <a:extLst>
+              <a:ext uri="{FF2B5EF4-FFF2-40B4-BE49-F238E27FC236}">
+                <a16:creationId xmlns:a16="http://schemas.microsoft.com/office/drawing/2014/main" id="{0DBB7306-A04C-4DD4-AEFC-885A2AAF7E7B}"/>
+              </a:ext>
+            </a:extLst>
+          </p:cNvPr>
+          <p:cNvSpPr txBox="1">
+            <a:spLocks/>
+          </p:cNvSpPr>
+          <p:nvPr/>
+        </p:nvSpPr>
+        <p:spPr>
+          <a:xfrm>
+            <a:off x="1103313" y="2052918"/>
+            <a:ext cx="5740547" cy="4195481"/>
+          </a:xfrm>
+          <a:prstGeom prst="rect">
+            <a:avLst/>
+          </a:prstGeom>
+        </p:spPr>
+        <p:txBody>
+          <a:bodyPr vert="horz" lIns="91440" tIns="45720" rIns="91440" bIns="45720" rtlCol="0">
+            <a:normAutofit/>
+          </a:bodyPr>
+          <a:lstStyle>
+            <a:lvl1pPr marL="342900" indent="-342900" algn="l" defTabSz="457200" rtl="0" eaLnBrk="1" latinLnBrk="0" hangingPunct="1">
+              <a:spcBef>
+                <a:spcPts val="1000"/>
+              </a:spcBef>
+              <a:spcAft>
+                <a:spcPts val="0"/>
+              </a:spcAft>
+              <a:buClr>
+                <a:schemeClr val="bg2">
+                  <a:lumMod val="40000"/>
+                  <a:lumOff val="60000"/>
+                </a:schemeClr>
+              </a:buClr>
+              <a:buSzPct val="80000"/>
+              <a:buFont typeface="Wingdings 3" charset="2"/>
+              <a:buChar char=""/>
+              <a:defRPr sz="2000" b="0" i="0" kern="1200">
+                <a:solidFill>
+                  <a:schemeClr val="tx1"/>
+                </a:solidFill>
+                <a:latin typeface="+mj-lt"/>
+                <a:ea typeface="+mj-ea"/>
+                <a:cs typeface="+mj-cs"/>
+              </a:defRPr>
+            </a:lvl1pPr>
+            <a:lvl2pPr marL="742950" indent="-285750" algn="l" defTabSz="457200" rtl="0" eaLnBrk="1" latinLnBrk="0" hangingPunct="1">
+              <a:spcBef>
+                <a:spcPts val="1000"/>
+              </a:spcBef>
+              <a:spcAft>
+                <a:spcPts val="0"/>
+              </a:spcAft>
+              <a:buClr>
+                <a:schemeClr val="bg2">
+                  <a:lumMod val="40000"/>
+                  <a:lumOff val="60000"/>
+                </a:schemeClr>
+              </a:buClr>
+              <a:buSzPct val="80000"/>
+              <a:buFont typeface="Wingdings 3" charset="2"/>
+              <a:buChar char=""/>
+              <a:defRPr sz="1800" b="0" i="0" kern="1200">
+                <a:solidFill>
+                  <a:schemeClr val="tx1"/>
+                </a:solidFill>
+                <a:latin typeface="+mj-lt"/>
+                <a:ea typeface="+mj-ea"/>
+                <a:cs typeface="+mj-cs"/>
+              </a:defRPr>
+            </a:lvl2pPr>
+            <a:lvl3pPr marL="1143000" indent="-228600" algn="l" defTabSz="457200" rtl="0" eaLnBrk="1" latinLnBrk="0" hangingPunct="1">
+              <a:spcBef>
+                <a:spcPts val="1000"/>
+              </a:spcBef>
+              <a:spcAft>
+                <a:spcPts val="0"/>
+              </a:spcAft>
+              <a:buClr>
+                <a:schemeClr val="bg2">
+                  <a:lumMod val="40000"/>
+                  <a:lumOff val="60000"/>
+                </a:schemeClr>
+              </a:buClr>
+              <a:buSzPct val="80000"/>
+              <a:buFont typeface="Wingdings 3" charset="2"/>
+              <a:buChar char=""/>
+              <a:defRPr sz="1600" b="0" i="0" kern="1200">
+                <a:solidFill>
+                  <a:schemeClr val="tx1"/>
+                </a:solidFill>
+                <a:latin typeface="+mj-lt"/>
+                <a:ea typeface="+mj-ea"/>
+                <a:cs typeface="+mj-cs"/>
+              </a:defRPr>
+            </a:lvl3pPr>
+            <a:lvl4pPr marL="1600200" indent="-228600" algn="l" defTabSz="457200" rtl="0" eaLnBrk="1" latinLnBrk="0" hangingPunct="1">
+              <a:spcBef>
+                <a:spcPts val="1000"/>
+              </a:spcBef>
+              <a:spcAft>
+                <a:spcPts val="0"/>
+              </a:spcAft>
+              <a:buClr>
+                <a:schemeClr val="bg2">
+                  <a:lumMod val="40000"/>
+                  <a:lumOff val="60000"/>
+                </a:schemeClr>
+              </a:buClr>
+              <a:buSzPct val="80000"/>
+              <a:buFont typeface="Wingdings 3" charset="2"/>
+              <a:buChar char=""/>
+              <a:defRPr sz="1400" b="0" i="0" kern="1200">
+                <a:solidFill>
+                  <a:schemeClr val="tx1"/>
+                </a:solidFill>
+                <a:latin typeface="+mj-lt"/>
+                <a:ea typeface="+mj-ea"/>
+                <a:cs typeface="+mj-cs"/>
+              </a:defRPr>
+            </a:lvl4pPr>
+            <a:lvl5pPr marL="2057400" indent="-228600" algn="l" defTabSz="457200" rtl="0" eaLnBrk="1" latinLnBrk="0" hangingPunct="1">
+              <a:spcBef>
+                <a:spcPts val="1000"/>
+              </a:spcBef>
+              <a:spcAft>
+                <a:spcPts val="0"/>
+              </a:spcAft>
+              <a:buClr>
+                <a:schemeClr val="bg2">
+                  <a:lumMod val="40000"/>
+                  <a:lumOff val="60000"/>
+                </a:schemeClr>
+              </a:buClr>
+              <a:buSzPct val="80000"/>
+              <a:buFont typeface="Wingdings 3" charset="2"/>
+              <a:buChar char=""/>
+              <a:defRPr sz="1400" b="0" i="0" kern="1200">
+                <a:solidFill>
+                  <a:schemeClr val="tx1"/>
+                </a:solidFill>
+                <a:latin typeface="+mj-lt"/>
+                <a:ea typeface="+mj-ea"/>
+                <a:cs typeface="+mj-cs"/>
+              </a:defRPr>
+            </a:lvl5pPr>
+            <a:lvl6pPr marL="2506000" indent="-228600" algn="l" defTabSz="457200" rtl="0" eaLnBrk="1" latinLnBrk="0" hangingPunct="1">
+              <a:spcBef>
+                <a:spcPts val="1000"/>
+              </a:spcBef>
+              <a:spcAft>
+                <a:spcPts val="0"/>
+              </a:spcAft>
+              <a:buClr>
+                <a:schemeClr val="bg2">
+                  <a:lumMod val="40000"/>
+                  <a:lumOff val="60000"/>
+                </a:schemeClr>
+              </a:buClr>
+              <a:buSzPct val="80000"/>
+              <a:buFont typeface="Wingdings 3" charset="2"/>
+              <a:buChar char=""/>
+              <a:defRPr sz="1400" b="0" i="0" kern="1200">
+                <a:solidFill>
+                  <a:schemeClr val="tx1"/>
+                </a:solidFill>
+                <a:latin typeface="+mj-lt"/>
+                <a:ea typeface="+mj-ea"/>
+                <a:cs typeface="+mj-cs"/>
+              </a:defRPr>
+            </a:lvl6pPr>
+            <a:lvl7pPr marL="2971800" indent="-228600" algn="l" defTabSz="457200" rtl="0" eaLnBrk="1" latinLnBrk="0" hangingPunct="1">
+              <a:spcBef>
+                <a:spcPts val="1000"/>
+              </a:spcBef>
+              <a:spcAft>
+                <a:spcPts val="0"/>
+              </a:spcAft>
+              <a:buClr>
+                <a:schemeClr val="bg2">
+                  <a:lumMod val="40000"/>
+                  <a:lumOff val="60000"/>
+                </a:schemeClr>
+              </a:buClr>
+              <a:buSzPct val="80000"/>
+              <a:buFont typeface="Wingdings 3" charset="2"/>
+              <a:buChar char=""/>
+              <a:defRPr sz="1400" b="0" i="0" kern="1200">
+                <a:solidFill>
+                  <a:schemeClr val="tx1"/>
+                </a:solidFill>
+                <a:latin typeface="+mj-lt"/>
+                <a:ea typeface="+mj-ea"/>
+                <a:cs typeface="+mj-cs"/>
+              </a:defRPr>
+            </a:lvl7pPr>
+            <a:lvl8pPr marL="3429000" indent="-228600" algn="l" defTabSz="457200" rtl="0" eaLnBrk="1" latinLnBrk="0" hangingPunct="1">
+              <a:spcBef>
+                <a:spcPts val="1000"/>
+              </a:spcBef>
+              <a:spcAft>
+                <a:spcPts val="0"/>
+              </a:spcAft>
+              <a:buClr>
+                <a:schemeClr val="bg2">
+                  <a:lumMod val="40000"/>
+                  <a:lumOff val="60000"/>
+                </a:schemeClr>
+              </a:buClr>
+              <a:buSzPct val="80000"/>
+              <a:buFont typeface="Wingdings 3" charset="2"/>
+              <a:buChar char=""/>
+              <a:defRPr sz="1400" b="0" i="0" kern="1200">
+                <a:solidFill>
+                  <a:schemeClr val="tx1"/>
+                </a:solidFill>
+                <a:latin typeface="+mj-lt"/>
+                <a:ea typeface="+mj-ea"/>
+                <a:cs typeface="+mj-cs"/>
+              </a:defRPr>
+            </a:lvl8pPr>
+            <a:lvl9pPr marL="3886200" indent="-228600" algn="l" defTabSz="457200" rtl="0" eaLnBrk="1" latinLnBrk="0" hangingPunct="1">
+              <a:spcBef>
+                <a:spcPts val="1000"/>
+              </a:spcBef>
+              <a:spcAft>
+                <a:spcPts val="0"/>
+              </a:spcAft>
+              <a:buClr>
+                <a:schemeClr val="bg2">
+                  <a:lumMod val="40000"/>
+                  <a:lumOff val="60000"/>
+                </a:schemeClr>
+              </a:buClr>
+              <a:buSzPct val="80000"/>
+              <a:buFont typeface="Wingdings 3" charset="2"/>
+              <a:buChar char=""/>
+              <a:defRPr sz="1400" b="0" i="0" kern="1200">
+                <a:solidFill>
+                  <a:schemeClr val="tx1"/>
+                </a:solidFill>
+                <a:latin typeface="+mj-lt"/>
+                <a:ea typeface="+mj-ea"/>
+                <a:cs typeface="+mj-cs"/>
+              </a:defRPr>
+            </a:lvl9pPr>
+          </a:lstStyle>
+          <a:p>
+            <a:r>
+              <a:rPr lang="en-US" dirty="0"/>
+              <a:t>Setup</a:t>
+            </a:r>
+          </a:p>
+          <a:p>
+            <a:r>
+              <a:rPr lang="en-US" dirty="0"/>
+              <a:t>Intents, Entities, and Utterances</a:t>
+            </a:r>
+          </a:p>
+          <a:p>
+            <a:r>
+              <a:rPr lang="en-US" dirty="0"/>
+              <a:t>Improvements</a:t>
+            </a:r>
+          </a:p>
+          <a:p>
+            <a:r>
+              <a:rPr lang="en-US" dirty="0"/>
+              <a:t>Learning </a:t>
+            </a:r>
+          </a:p>
+          <a:p>
+            <a:endParaRPr lang="en-US" dirty="0"/>
+          </a:p>
+        </p:txBody>
+      </p:sp>
+      <p:pic>
+        <p:nvPicPr>
+          <p:cNvPr id="10" name="Content Placeholder 9">
+            <a:extLst>
+              <a:ext uri="{FF2B5EF4-FFF2-40B4-BE49-F238E27FC236}">
+                <a16:creationId xmlns:a16="http://schemas.microsoft.com/office/drawing/2014/main" id="{40A7DAFC-0420-4D2A-8B8F-AC016C5E5406}"/>
+              </a:ext>
+            </a:extLst>
+          </p:cNvPr>
+          <p:cNvPicPr>
+            <a:picLocks noGrp="1" noChangeAspect="1"/>
+          </p:cNvPicPr>
+          <p:nvPr>
+            <p:ph idx="1"/>
+          </p:nvPr>
+        </p:nvPicPr>
+        <p:blipFill>
+          <a:blip r:embed="rId2"/>
+          <a:stretch>
+            <a:fillRect/>
+          </a:stretch>
+        </p:blipFill>
+        <p:spPr>
+          <a:xfrm>
+            <a:off x="6715589" y="1909809"/>
+            <a:ext cx="4453229" cy="4195762"/>
+          </a:xfrm>
+          <a:prstGeom prst="rect">
+            <a:avLst/>
+          </a:prstGeom>
+        </p:spPr>
+      </p:pic>
+    </p:spTree>
+    <p:extLst>
+      <p:ext uri="{BB962C8B-B14F-4D97-AF65-F5344CB8AC3E}">
+        <p14:creationId xmlns:p14="http://schemas.microsoft.com/office/powerpoint/2010/main" val="709403100"/>
+      </p:ext>
+    </p:extLst>
+  </p:cSld>
+  <p:clrMapOvr>
+    <a:masterClrMapping/>
+  </p:clrMapOvr>
+  <p:timing>
+    <p:tnLst>
+      <p:par>
+        <p:cTn id="1" dur="indefinite" restart="never" nodeType="tmRoot">
+          <p:childTnLst>
+            <p:seq concurrent="1" nextAc="seek">
+              <p:cTn id="2" dur="indefinite" nodeType="mainSeq">
+                <p:childTnLst>
+                  <p:par>
+                    <p:cTn id="3" fill="hold">
+                      <p:stCondLst>
+                        <p:cond delay="indefinite"/>
+                      </p:stCondLst>
+                      <p:childTnLst>
+                        <p:par>
+                          <p:cTn id="4" fill="hold">
+                            <p:stCondLst>
+                              <p:cond delay="0"/>
+                            </p:stCondLst>
+                            <p:childTnLst>
+                              <p:par>
+                                <p:cTn id="5" presetID="1" presetClass="entr" presetSubtype="0" fill="hold" nodeType="clickEffect">
+                                  <p:stCondLst>
+                                    <p:cond delay="0"/>
+                                  </p:stCondLst>
+                                  <p:childTnLst>
+                                    <p:set>
+                                      <p:cBhvr>
+                                        <p:cTn id="6" dur="1" fill="hold">
+                                          <p:stCondLst>
+                                            <p:cond delay="0"/>
+                                          </p:stCondLst>
+                                        </p:cTn>
+                                        <p:tgtEl>
+                                          <p:spTgt spid="10"/>
+                                        </p:tgtEl>
+                                        <p:attrNameLst>
+                                          <p:attrName>style.visibility</p:attrName>
+                                        </p:attrNameLst>
+                                      </p:cBhvr>
+                                      <p:to>
+                                        <p:strVal val="visible"/>
+                                      </p:to>
+                                    </p:set>
+                                  </p:childTnLst>
+                                </p:cTn>
+                              </p:par>
+                            </p:childTnLst>
+                          </p:cTn>
+                        </p:par>
+                      </p:childTnLst>
+                    </p:cTn>
+                  </p:par>
+                </p:childTnLst>
+              </p:cTn>
+              <p:prevCondLst>
+                <p:cond evt="onPrev" delay="0">
+                  <p:tgtEl>
+                    <p:sldTgt/>
+                  </p:tgtEl>
+                </p:cond>
+              </p:prevCondLst>
+              <p:nextCondLst>
+                <p:cond evt="onNext" delay="0">
+                  <p:tgtEl>
+                    <p:sldTgt/>
+                  </p:tgtEl>
+                </p:cond>
+              </p:nextCondLst>
+            </p:seq>
+          </p:childTnLst>
+        </p:cTn>
+      </p:par>
+    </p:tnLst>
+  </p:timing>
+</p:sld>
+</file>
+
+<file path=ppt/slides/slide7.xml><?xml version="1.0" encoding="utf-8"?>
+<p:sld xmlns:a="http://schemas.openxmlformats.org/drawingml/2006/main" xmlns:r="http://schemas.openxmlformats.org/officeDocument/2006/relationships" xmlns:p="http://schemas.openxmlformats.org/presentationml/2006/main">
+  <p:cSld>
+    <p:spTree>
+      <p:nvGrpSpPr>
+        <p:cNvPr id="1" name=""/>
+        <p:cNvGrpSpPr/>
+        <p:nvPr/>
+      </p:nvGrpSpPr>
+      <p:grpSpPr>
+        <a:xfrm>
+          <a:off x="0" y="0"/>
+          <a:ext cx="0" cy="0"/>
+          <a:chOff x="0" y="0"/>
+          <a:chExt cx="0" cy="0"/>
+        </a:xfrm>
+      </p:grpSpPr>
+      <p:sp>
+        <p:nvSpPr>
+          <p:cNvPr id="2" name="Title 1">
+            <a:extLst>
+              <a:ext uri="{FF2B5EF4-FFF2-40B4-BE49-F238E27FC236}">
+                <a16:creationId xmlns:a16="http://schemas.microsoft.com/office/drawing/2014/main" id="{67CD0E45-7DCC-4983-B22E-7F5F9358CEBF}"/>
+              </a:ext>
+            </a:extLst>
+          </p:cNvPr>
+          <p:cNvSpPr>
+            <a:spLocks noGrp="1"/>
+          </p:cNvSpPr>
+          <p:nvPr>
+            <p:ph type="title"/>
+          </p:nvPr>
+        </p:nvSpPr>
+        <p:spPr/>
+        <p:txBody>
+          <a:bodyPr/>
+          <a:lstStyle/>
+          <a:p>
+            <a:r>
+              <a:rPr lang="en-US" dirty="0"/>
+              <a:t>Challenges </a:t>
+            </a:r>
+          </a:p>
+        </p:txBody>
+      </p:sp>
+      <p:sp>
+        <p:nvSpPr>
+          <p:cNvPr id="3" name="Content Placeholder 2">
+            <a:extLst>
+              <a:ext uri="{FF2B5EF4-FFF2-40B4-BE49-F238E27FC236}">
+                <a16:creationId xmlns:a16="http://schemas.microsoft.com/office/drawing/2014/main" id="{5962CC97-40D6-4DB4-BAEF-D0027DA47DE4}"/>
+              </a:ext>
+            </a:extLst>
+          </p:cNvPr>
+          <p:cNvSpPr>
+            <a:spLocks noGrp="1"/>
+          </p:cNvSpPr>
+          <p:nvPr>
+            <p:ph idx="1"/>
+          </p:nvPr>
+        </p:nvSpPr>
+        <p:spPr/>
+        <p:txBody>
+          <a:bodyPr/>
+          <a:lstStyle/>
+          <a:p>
+            <a:r>
+              <a:rPr lang="en-US" dirty="0"/>
+              <a:t>Deployment and workflow</a:t>
+            </a:r>
+          </a:p>
+          <a:p>
+            <a:pPr lvl="1"/>
+            <a:r>
+              <a:rPr lang="en-US" dirty="0"/>
+              <a:t>Build and deploy UWP with remote debugging – unnecessary!</a:t>
+            </a:r>
+          </a:p>
+          <a:p>
+            <a:r>
+              <a:rPr lang="en-US" dirty="0"/>
+              <a:t>Microphone HW and </a:t>
+            </a:r>
+            <a:r>
+              <a:rPr lang="en-US" dirty="0" err="1"/>
+              <a:t>DictationRecognizer</a:t>
+            </a:r>
+            <a:endParaRPr lang="en-US" dirty="0"/>
+          </a:p>
+          <a:p>
+            <a:pPr lvl="1"/>
+            <a:r>
+              <a:rPr lang="en-US" dirty="0"/>
+              <a:t>Unknown default timeout 20s</a:t>
+            </a:r>
+          </a:p>
+          <a:p>
+            <a:pPr lvl="1"/>
+            <a:r>
+              <a:rPr lang="en-US" dirty="0"/>
+              <a:t>Did not find solution for microphone HW issues</a:t>
+            </a:r>
+          </a:p>
+          <a:p>
+            <a:pPr lvl="1"/>
+            <a:r>
+              <a:rPr lang="en-US" dirty="0"/>
+              <a:t>Investigate alternatives – speech to text?</a:t>
+            </a:r>
+          </a:p>
+          <a:p>
+            <a:r>
+              <a:rPr lang="en-US" dirty="0"/>
+              <a:t>LUIS</a:t>
+            </a:r>
+          </a:p>
+          <a:p>
+            <a:pPr lvl="1"/>
+            <a:r>
+              <a:rPr lang="en-US" dirty="0"/>
+              <a:t>Training</a:t>
+            </a:r>
+          </a:p>
+          <a:p>
+            <a:pPr lvl="1"/>
+            <a:r>
+              <a:rPr lang="en-US" dirty="0"/>
+              <a:t>Usability</a:t>
+            </a:r>
+          </a:p>
+          <a:p>
+            <a:r>
+              <a:rPr lang="en-US" dirty="0"/>
+              <a:t>Team skillsets</a:t>
+            </a:r>
+          </a:p>
+        </p:txBody>
+      </p:sp>
+    </p:spTree>
+    <p:extLst>
+      <p:ext uri="{BB962C8B-B14F-4D97-AF65-F5344CB8AC3E}">
+        <p14:creationId xmlns:p14="http://schemas.microsoft.com/office/powerpoint/2010/main" val="1563278652"/>
+      </p:ext>
+    </p:extLst>
+  </p:cSld>
+  <p:clrMapOvr>
+    <a:masterClrMapping/>
+  </p:clrMapOvr>
+</p:sld>
+</file>
+
+<file path=ppt/slides/slide8.xml><?xml version="1.0" encoding="utf-8"?>
+<p:sld xmlns:a="http://schemas.openxmlformats.org/drawingml/2006/main" xmlns:r="http://schemas.openxmlformats.org/officeDocument/2006/relationships" xmlns:p="http://schemas.openxmlformats.org/presentationml/2006/main">
+  <p:cSld>
+    <p:spTree>
+      <p:nvGrpSpPr>
+        <p:cNvPr id="1" name=""/>
+        <p:cNvGrpSpPr/>
+        <p:nvPr/>
+      </p:nvGrpSpPr>
+      <p:grpSpPr>
+        <a:xfrm>
+          <a:off x="0" y="0"/>
+          <a:ext cx="0" cy="0"/>
+          <a:chOff x="0" y="0"/>
+          <a:chExt cx="0" cy="0"/>
+        </a:xfrm>
+      </p:grpSpPr>
+      <p:sp>
+        <p:nvSpPr>
+          <p:cNvPr id="2" name="Title 1">
+            <a:extLst>
+              <a:ext uri="{FF2B5EF4-FFF2-40B4-BE49-F238E27FC236}">
                 <a16:creationId xmlns:a16="http://schemas.microsoft.com/office/drawing/2014/main" id="{65B0432C-91DF-4258-8F53-11B21F4F4ACC}"/>
               </a:ext>
             </a:extLst>
@@ -6647,10 +7593,6 @@
               <a:rPr lang="en-US" dirty="0"/>
               <a:t>Unity</a:t>
             </a:r>
-          </a:p>
-          <a:p>
-            <a:pPr lvl="1"/>
-            <a:endParaRPr lang="en-US" dirty="0"/>
           </a:p>
           <a:p>
             <a:r>
